--- a/WRITE UP E-Medicare PPT.pptx
+++ b/WRITE UP E-Medicare PPT.pptx
@@ -5953,8 +5953,8 @@
         </p:nvSpPr>
         <p:spPr>
           <a:xfrm>
-            <a:off x="1524000" y="4390928"/>
-            <a:ext cx="9144000" cy="1404588"/>
+            <a:off x="2498103" y="2771480"/>
+            <a:ext cx="7352908" cy="3346516"/>
           </a:xfrm>
         </p:spPr>
         <p:txBody>
@@ -5963,6 +5963,7 @@
           </a:bodyPr>
           <a:lstStyle/>
           <a:p>
+            <a:pPr algn="ctr"/>
             <a:r>
               <a:rPr lang="en-US" dirty="0">
                 <a:cs typeface="Calibri"/>
@@ -5971,6 +5972,69 @@
             </a:r>
           </a:p>
           <a:p>
+            <a:pPr algn="ctr"/>
+            <a:r>
+              <a:rPr lang="en-IN" b="1" dirty="0" err="1"/>
+              <a:t>Github</a:t>
+            </a:r>
+            <a:r>
+              <a:rPr lang="en-IN" b="1" dirty="0"/>
+              <a:t> screenshot link  : </a:t>
+            </a:r>
+            <a:r>
+              <a:rPr lang="en-IN" b="1" u="sng" dirty="0">
+                <a:hlinkClick r:id="rId2"/>
+              </a:rPr>
+              <a:t>https://github.com/karthikeyanvk18/E-medicare/blob/main/SCREEN%20SHOT%20FOR%20E-%20MEDICARE.docx</a:t>
+            </a:r>
+            <a:endParaRPr lang="en-IN" dirty="0"/>
+          </a:p>
+          <a:p>
+            <a:pPr algn="ctr"/>
+            <a:r>
+              <a:rPr lang="en-IN" b="1" dirty="0" err="1"/>
+              <a:t>Github</a:t>
+            </a:r>
+            <a:r>
+              <a:rPr lang="en-IN" b="1" dirty="0"/>
+              <a:t> source code link : </a:t>
+            </a:r>
+            <a:r>
+              <a:rPr lang="en-IN" b="1" u="sng" dirty="0">
+                <a:hlinkClick r:id="rId3"/>
+              </a:rPr>
+              <a:t>https://github.com/karthikeyanvk18/E-medicare/blob/main/Source%20code%20for%20e-%20medicare.docx</a:t>
+            </a:r>
+            <a:endParaRPr lang="en-IN" dirty="0"/>
+          </a:p>
+          <a:p>
+            <a:pPr algn="ctr"/>
+            <a:r>
+              <a:rPr lang="en-IN" b="1" dirty="0" err="1"/>
+              <a:t>Github</a:t>
+            </a:r>
+            <a:r>
+              <a:rPr lang="en-IN" b="1" dirty="0"/>
+              <a:t> writeup link :</a:t>
+            </a:r>
+            <a:r>
+              <a:rPr lang="en-IN" dirty="0"/>
+              <a:t> </a:t>
+            </a:r>
+            <a:r>
+              <a:rPr lang="en-IN" b="1" dirty="0"/>
+              <a:t>https://github.com/karthikeyanvk18/E-medicare/blob/main/WRITE%20UP%20E-Medicare%20PPT.pptx</a:t>
+            </a:r>
+            <a:endParaRPr lang="en-IN" dirty="0"/>
+          </a:p>
+          <a:p>
+            <a:pPr algn="ctr"/>
+            <a:endParaRPr lang="en-US" dirty="0">
+              <a:cs typeface="Calibri"/>
+            </a:endParaRPr>
+          </a:p>
+          <a:p>
+            <a:pPr algn="ctr"/>
             <a:endParaRPr lang="en-US" dirty="0">
               <a:cs typeface="Calibri"/>
             </a:endParaRPr>
